--- a/Phase 1.pptx
+++ b/Phase 1.pptx
@@ -13,35 +13,29 @@
     <p:sldId id="258" r:id="rId8"/>
     <p:sldId id="259" r:id="rId9"/>
     <p:sldId id="260" r:id="rId10"/>
+    <p:sldId id="261" r:id="rId11"/>
   </p:sldIdLst>
   <p:sldSz cy="5143500" cx="9144000"/>
   <p:notesSz cx="6858000" cy="9144000"/>
   <p:embeddedFontLst>
     <p:embeddedFont>
       <p:font typeface="Playfair Display"/>
-      <p:regular r:id="rId11"/>
-      <p:bold r:id="rId12"/>
-      <p:italic r:id="rId13"/>
-      <p:boldItalic r:id="rId14"/>
-    </p:embeddedFont>
-    <p:embeddedFont>
-      <p:font typeface="Nunito"/>
-      <p:regular r:id="rId15"/>
-      <p:bold r:id="rId16"/>
-      <p:italic r:id="rId17"/>
-      <p:boldItalic r:id="rId18"/>
+      <p:regular r:id="rId12"/>
+      <p:bold r:id="rId13"/>
+      <p:italic r:id="rId14"/>
+      <p:boldItalic r:id="rId15"/>
     </p:embeddedFont>
     <p:embeddedFont>
       <p:font typeface="Montserrat"/>
-      <p:regular r:id="rId19"/>
-      <p:bold r:id="rId20"/>
-      <p:italic r:id="rId21"/>
-      <p:boldItalic r:id="rId22"/>
+      <p:regular r:id="rId16"/>
+      <p:bold r:id="rId17"/>
+      <p:italic r:id="rId18"/>
+      <p:boldItalic r:id="rId19"/>
     </p:embeddedFont>
     <p:embeddedFont>
       <p:font typeface="Oswald"/>
-      <p:regular r:id="rId23"/>
-      <p:bold r:id="rId24"/>
+      <p:regular r:id="rId20"/>
+      <p:bold r:id="rId21"/>
     </p:embeddedFont>
   </p:embeddedFontLst>
   <p:defaultTextStyle>
@@ -1119,7 +1113,7 @@
   <p:cSld>
     <p:spTree>
       <p:nvGrpSpPr>
-        <p:cNvPr id="85" name="Shape 85"/>
+        <p:cNvPr id="79" name="Shape 79"/>
         <p:cNvGrpSpPr/>
         <p:nvPr/>
       </p:nvGrpSpPr>
@@ -1133,7 +1127,106 @@
       </p:grpSpPr>
       <p:sp>
         <p:nvSpPr>
-          <p:cNvPr id="86" name="Google Shape;86;gc6f59039d_0_10:notes"/>
+          <p:cNvPr id="80" name="Google Shape;80;gf99c0c58b9_1_1:notes"/>
+          <p:cNvSpPr/>
+          <p:nvPr>
+            <p:ph idx="2" type="sldImg"/>
+          </p:nvPr>
+        </p:nvSpPr>
+        <p:spPr>
+          <a:xfrm>
+            <a:off x="381300" y="685800"/>
+            <a:ext cx="6096000" cy="3429000"/>
+          </a:xfrm>
+          <a:custGeom>
+            <a:rect b="b" l="l" r="r" t="t"/>
+            <a:pathLst>
+              <a:path extrusionOk="0" h="120000" w="120000">
+                <a:moveTo>
+                  <a:pt x="0" y="0"/>
+                </a:moveTo>
+                <a:lnTo>
+                  <a:pt x="120000" y="0"/>
+                </a:lnTo>
+                <a:lnTo>
+                  <a:pt x="120000" y="120000"/>
+                </a:lnTo>
+                <a:lnTo>
+                  <a:pt x="0" y="120000"/>
+                </a:lnTo>
+                <a:close/>
+              </a:path>
+            </a:pathLst>
+          </a:custGeom>
+        </p:spPr>
+      </p:sp>
+      <p:sp>
+        <p:nvSpPr>
+          <p:cNvPr id="81" name="Google Shape;81;gf99c0c58b9_1_1:notes"/>
+          <p:cNvSpPr txBox="1"/>
+          <p:nvPr>
+            <p:ph idx="1" type="body"/>
+          </p:nvPr>
+        </p:nvSpPr>
+        <p:spPr>
+          <a:xfrm>
+            <a:off x="685800" y="4343400"/>
+            <a:ext cx="5486400" cy="4114800"/>
+          </a:xfrm>
+          <a:prstGeom prst="rect">
+            <a:avLst/>
+          </a:prstGeom>
+        </p:spPr>
+        <p:txBody>
+          <a:bodyPr anchorCtr="0" anchor="t" bIns="91425" lIns="91425" spcFirstLastPara="1" rIns="91425" wrap="square" tIns="91425">
+            <a:noAutofit/>
+          </a:bodyPr>
+          <a:lstStyle/>
+          <a:p>
+            <a:pPr indent="0" lvl="0" marL="0" rtl="0" algn="l">
+              <a:spcBef>
+                <a:spcPts val="0"/>
+              </a:spcBef>
+              <a:spcAft>
+                <a:spcPts val="0"/>
+              </a:spcAft>
+              <a:buNone/>
+            </a:pPr>
+            <a:r>
+              <a:t/>
+            </a:r>
+            <a:endParaRPr/>
+          </a:p>
+        </p:txBody>
+      </p:sp>
+    </p:spTree>
+  </p:cSld>
+  <p:clrMapOvr>
+    <a:masterClrMapping/>
+  </p:clrMapOvr>
+</p:notes>
+</file>
+
+<file path=ppt/notesSlides/notesSlide6.xml><?xml version="1.0" encoding="utf-8"?>
+<p:notes xmlns:a="http://schemas.openxmlformats.org/drawingml/2006/main" xmlns:r="http://schemas.openxmlformats.org/officeDocument/2006/relationships" xmlns:mc="http://schemas.openxmlformats.org/markup-compatibility/2006" xmlns:mv="urn:schemas-microsoft-com:mac:vml" xmlns:p="http://schemas.openxmlformats.org/presentationml/2006/main" xmlns:c="http://schemas.openxmlformats.org/drawingml/2006/chart" xmlns:dgm="http://schemas.openxmlformats.org/drawingml/2006/diagram" xmlns:o="urn:schemas-microsoft-com:office:office" xmlns:v="urn:schemas-microsoft-com:vml" xmlns:pvml="urn:schemas-microsoft-com:office:powerpoint" xmlns:com="http://schemas.openxmlformats.org/drawingml/2006/compatibility" xmlns:p14="http://schemas.microsoft.com/office/powerpoint/2010/main" xmlns:p15="http://schemas.microsoft.com/office/powerpoint/2012/main" xmlns:ahyp="http://schemas.microsoft.com/office/drawing/2018/hyperlinkcolor" showMasterPhAnim="0" showMasterSp="0">
+  <p:cSld>
+    <p:spTree>
+      <p:nvGrpSpPr>
+        <p:cNvPr id="84" name="Shape 84"/>
+        <p:cNvGrpSpPr/>
+        <p:nvPr/>
+      </p:nvGrpSpPr>
+      <p:grpSpPr>
+        <a:xfrm>
+          <a:off x="0" y="0"/>
+          <a:ext cx="0" cy="0"/>
+          <a:chOff x="0" y="0"/>
+          <a:chExt cx="0" cy="0"/>
+        </a:xfrm>
+      </p:grpSpPr>
+      <p:sp>
+        <p:nvSpPr>
+          <p:cNvPr id="85" name="Google Shape;85;gc6f59039d_0_10:notes"/>
           <p:cNvSpPr/>
           <p:nvPr>
             <p:ph idx="2" type="sldImg"/>
@@ -1168,7 +1261,7 @@
       </p:sp>
       <p:sp>
         <p:nvSpPr>
-          <p:cNvPr id="87" name="Google Shape;87;gc6f59039d_0_10:notes"/>
+          <p:cNvPr id="86" name="Google Shape;86;gc6f59039d_0_10:notes"/>
           <p:cNvSpPr txBox="1"/>
           <p:nvPr>
             <p:ph idx="1" type="body"/>
@@ -7020,9 +7113,50 @@
           <a:chExt cx="0" cy="0"/>
         </a:xfrm>
       </p:grpSpPr>
+      <p:sp>
+        <p:nvSpPr>
+          <p:cNvPr id="71" name="Google Shape;71;p15"/>
+          <p:cNvSpPr txBox="1"/>
+          <p:nvPr>
+            <p:ph idx="1" type="body"/>
+          </p:nvPr>
+        </p:nvSpPr>
+        <p:spPr>
+          <a:xfrm>
+            <a:off x="2310600" y="4275625"/>
+            <a:ext cx="4522800" cy="700800"/>
+          </a:xfrm>
+          <a:prstGeom prst="rect">
+            <a:avLst/>
+          </a:prstGeom>
+          <a:noFill/>
+        </p:spPr>
+        <p:txBody>
+          <a:bodyPr anchorCtr="0" anchor="ctr" bIns="91425" lIns="91425" spcFirstLastPara="1" rIns="91425" wrap="square" tIns="91425">
+            <a:normAutofit/>
+          </a:bodyPr>
+          <a:lstStyle/>
+          <a:p>
+            <a:pPr indent="0" lvl="0" marL="0" rtl="0" algn="ctr">
+              <a:spcBef>
+                <a:spcPts val="0"/>
+              </a:spcBef>
+              <a:spcAft>
+                <a:spcPts val="0"/>
+              </a:spcAft>
+              <a:buNone/>
+            </a:pPr>
+            <a:r>
+              <a:rPr lang="en" sz="3100"/>
+              <a:t>E/R Diagram</a:t>
+            </a:r>
+            <a:endParaRPr sz="3100"/>
+          </a:p>
+        </p:txBody>
+      </p:sp>
       <p:pic>
         <p:nvPicPr>
-          <p:cNvPr id="71" name="Google Shape;71;p15"/>
+          <p:cNvPr id="72" name="Google Shape;72;p15"/>
           <p:cNvPicPr preferRelativeResize="0"/>
           <p:nvPr/>
         </p:nvPicPr>
@@ -7037,7 +7171,7 @@
         <p:spPr>
           <a:xfrm>
             <a:off x="0" y="0"/>
-            <a:ext cx="7776275" cy="5143501"/>
+            <a:ext cx="9144000" cy="4164118"/>
           </a:xfrm>
           <a:prstGeom prst="rect">
             <a:avLst/>
@@ -7048,47 +7182,6 @@
           </a:ln>
         </p:spPr>
       </p:pic>
-      <p:sp>
-        <p:nvSpPr>
-          <p:cNvPr id="72" name="Google Shape;72;p15"/>
-          <p:cNvSpPr txBox="1"/>
-          <p:nvPr>
-            <p:ph idx="1" type="body"/>
-          </p:nvPr>
-        </p:nvSpPr>
-        <p:spPr>
-          <a:xfrm>
-            <a:off x="207800" y="4212200"/>
-            <a:ext cx="4522800" cy="700800"/>
-          </a:xfrm>
-          <a:prstGeom prst="rect">
-            <a:avLst/>
-          </a:prstGeom>
-          <a:noFill/>
-        </p:spPr>
-        <p:txBody>
-          <a:bodyPr anchorCtr="0" anchor="ctr" bIns="91425" lIns="91425" spcFirstLastPara="1" rIns="91425" wrap="square" tIns="91425">
-            <a:normAutofit/>
-          </a:bodyPr>
-          <a:lstStyle/>
-          <a:p>
-            <a:pPr indent="0" lvl="0" marL="0" rtl="0" algn="l">
-              <a:spcBef>
-                <a:spcPts val="0"/>
-              </a:spcBef>
-              <a:spcAft>
-                <a:spcPts val="0"/>
-              </a:spcAft>
-              <a:buNone/>
-            </a:pPr>
-            <a:r>
-              <a:rPr lang="en"/>
-              <a:t>E/R Diagram</a:t>
-            </a:r>
-            <a:endParaRPr/>
-          </a:p>
-        </p:txBody>
-      </p:sp>
     </p:spTree>
   </p:cSld>
   <p:clrMapOvr>
@@ -7103,7 +7196,7 @@
     <p:bg>
       <p:bgPr>
         <a:solidFill>
-          <a:schemeClr val="lt2"/>
+          <a:schemeClr val="dk1"/>
         </a:solidFill>
       </p:bgPr>
     </p:bg>
@@ -7121,9 +7214,52 @@
           <a:chExt cx="0" cy="0"/>
         </a:xfrm>
       </p:grpSpPr>
+      <p:sp>
+        <p:nvSpPr>
+          <p:cNvPr id="77" name="Google Shape;77;p16"/>
+          <p:cNvSpPr txBox="1"/>
+          <p:nvPr>
+            <p:ph type="title"/>
+          </p:nvPr>
+        </p:nvSpPr>
+        <p:spPr>
+          <a:xfrm>
+            <a:off x="0" y="281775"/>
+            <a:ext cx="9144000" cy="781500"/>
+          </a:xfrm>
+          <a:prstGeom prst="rect">
+            <a:avLst/>
+          </a:prstGeom>
+          <a:solidFill>
+            <a:schemeClr val="lt1"/>
+          </a:solidFill>
+        </p:spPr>
+        <p:txBody>
+          <a:bodyPr anchorCtr="0" anchor="t" bIns="91425" lIns="91425" spcFirstLastPara="1" rIns="91425" wrap="square" tIns="91425">
+            <a:normAutofit/>
+          </a:bodyPr>
+          <a:lstStyle/>
+          <a:p>
+            <a:pPr indent="0" lvl="0" marL="0" rtl="0" algn="ctr">
+              <a:spcBef>
+                <a:spcPts val="0"/>
+              </a:spcBef>
+              <a:spcAft>
+                <a:spcPts val="0"/>
+              </a:spcAft>
+              <a:buNone/>
+            </a:pPr>
+            <a:r>
+              <a:rPr lang="en" sz="3600"/>
+              <a:t>Relational Schema</a:t>
+            </a:r>
+            <a:endParaRPr sz="3600"/>
+          </a:p>
+        </p:txBody>
+      </p:sp>
       <p:pic>
         <p:nvPicPr>
-          <p:cNvPr id="77" name="Google Shape;77;p16"/>
+          <p:cNvPr id="78" name="Google Shape;78;p16"/>
           <p:cNvPicPr preferRelativeResize="0"/>
           <p:nvPr/>
         </p:nvPicPr>
@@ -7137,8 +7273,8 @@
         </p:blipFill>
         <p:spPr>
           <a:xfrm>
-            <a:off x="37875" y="1056450"/>
-            <a:ext cx="9023100" cy="4087050"/>
+            <a:off x="0" y="1063275"/>
+            <a:ext cx="9144000" cy="3742300"/>
           </a:xfrm>
           <a:prstGeom prst="rect">
             <a:avLst/>
@@ -7149,531 +7285,6 @@
           </a:ln>
         </p:spPr>
       </p:pic>
-      <p:sp>
-        <p:nvSpPr>
-          <p:cNvPr id="78" name="Google Shape;78;p16"/>
-          <p:cNvSpPr txBox="1"/>
-          <p:nvPr>
-            <p:ph type="title"/>
-          </p:nvPr>
-        </p:nvSpPr>
-        <p:spPr>
-          <a:xfrm>
-            <a:off x="2581050" y="281775"/>
-            <a:ext cx="3981900" cy="629100"/>
-          </a:xfrm>
-          <a:prstGeom prst="rect">
-            <a:avLst/>
-          </a:prstGeom>
-        </p:spPr>
-        <p:txBody>
-          <a:bodyPr anchorCtr="0" anchor="t" bIns="91425" lIns="91425" spcFirstLastPara="1" rIns="91425" wrap="square" tIns="91425">
-            <a:normAutofit fontScale="90000"/>
-          </a:bodyPr>
-          <a:lstStyle/>
-          <a:p>
-            <a:pPr indent="0" lvl="0" marL="0" rtl="0" algn="l">
-              <a:spcBef>
-                <a:spcPts val="0"/>
-              </a:spcBef>
-              <a:spcAft>
-                <a:spcPts val="0"/>
-              </a:spcAft>
-              <a:buNone/>
-            </a:pPr>
-            <a:r>
-              <a:rPr lang="en" sz="3600"/>
-              <a:t>Relational Schema</a:t>
-            </a:r>
-            <a:endParaRPr sz="3600"/>
-          </a:p>
-        </p:txBody>
-      </p:sp>
-      <p:sp>
-        <p:nvSpPr>
-          <p:cNvPr id="79" name="Google Shape;79;p16"/>
-          <p:cNvSpPr txBox="1"/>
-          <p:nvPr>
-            <p:ph idx="1" type="body"/>
-          </p:nvPr>
-        </p:nvSpPr>
-        <p:spPr>
-          <a:xfrm>
-            <a:off x="4877475" y="2274004"/>
-            <a:ext cx="3981900" cy="1033800"/>
-          </a:xfrm>
-          <a:prstGeom prst="rect">
-            <a:avLst/>
-          </a:prstGeom>
-        </p:spPr>
-        <p:txBody>
-          <a:bodyPr anchorCtr="0" anchor="t" bIns="91425" lIns="91425" spcFirstLastPara="1" rIns="91425" wrap="square" tIns="91425">
-            <a:normAutofit/>
-          </a:bodyPr>
-          <a:lstStyle/>
-          <a:p>
-            <a:pPr indent="0" lvl="0" marL="0" rtl="0" algn="l">
-              <a:spcBef>
-                <a:spcPts val="0"/>
-              </a:spcBef>
-              <a:spcAft>
-                <a:spcPts val="0"/>
-              </a:spcAft>
-              <a:buNone/>
-            </a:pPr>
-            <a:r>
-              <a:rPr b="1" lang="en" sz="1600">
-                <a:highlight>
-                  <a:schemeClr val="lt1"/>
-                </a:highlight>
-              </a:rPr>
-              <a:t>DLC</a:t>
-            </a:r>
-            <a:endParaRPr b="1" sz="1600">
-              <a:highlight>
-                <a:schemeClr val="lt1"/>
-              </a:highlight>
-            </a:endParaRPr>
-          </a:p>
-          <a:p>
-            <a:pPr indent="0" lvl="0" marL="0" rtl="0" algn="l">
-              <a:spcBef>
-                <a:spcPts val="0"/>
-              </a:spcBef>
-              <a:spcAft>
-                <a:spcPts val="0"/>
-              </a:spcAft>
-              <a:buClr>
-                <a:schemeClr val="dk2"/>
-              </a:buClr>
-              <a:buSzPts val="1100"/>
-              <a:buFont typeface="Arial"/>
-              <a:buNone/>
-            </a:pPr>
-            <a:r>
-              <a:rPr b="1" lang="en" sz="1400">
-                <a:highlight>
-                  <a:schemeClr val="lt1"/>
-                </a:highlight>
-                <a:latin typeface="Nunito"/>
-                <a:ea typeface="Nunito"/>
-                <a:cs typeface="Nunito"/>
-                <a:sym typeface="Nunito"/>
-              </a:rPr>
-              <a:t>dlc_season, dlc_armor, dlc_seasonpass, dlc_subclass, dlc_campaign</a:t>
-            </a:r>
-            <a:endParaRPr sz="1400">
-              <a:highlight>
-                <a:schemeClr val="lt1"/>
-              </a:highlight>
-            </a:endParaRPr>
-          </a:p>
-        </p:txBody>
-      </p:sp>
-      <p:sp>
-        <p:nvSpPr>
-          <p:cNvPr id="80" name="Google Shape;80;p16"/>
-          <p:cNvSpPr txBox="1"/>
-          <p:nvPr>
-            <p:ph idx="1" type="body"/>
-          </p:nvPr>
-        </p:nvSpPr>
-        <p:spPr>
-          <a:xfrm>
-            <a:off x="146800" y="2274004"/>
-            <a:ext cx="3981900" cy="1033800"/>
-          </a:xfrm>
-          <a:prstGeom prst="rect">
-            <a:avLst/>
-          </a:prstGeom>
-        </p:spPr>
-        <p:txBody>
-          <a:bodyPr anchorCtr="0" anchor="t" bIns="91425" lIns="91425" spcFirstLastPara="1" rIns="91425" wrap="square" tIns="91425">
-            <a:normAutofit/>
-          </a:bodyPr>
-          <a:lstStyle/>
-          <a:p>
-            <a:pPr indent="0" lvl="0" marL="0" rtl="0" algn="l">
-              <a:spcBef>
-                <a:spcPts val="0"/>
-              </a:spcBef>
-              <a:spcAft>
-                <a:spcPts val="0"/>
-              </a:spcAft>
-              <a:buNone/>
-            </a:pPr>
-            <a:r>
-              <a:rPr b="1" lang="en" sz="1600">
-                <a:highlight>
-                  <a:schemeClr val="lt1"/>
-                </a:highlight>
-              </a:rPr>
-              <a:t>Character</a:t>
-            </a:r>
-            <a:endParaRPr b="1" sz="1600">
-              <a:highlight>
-                <a:schemeClr val="lt1"/>
-              </a:highlight>
-            </a:endParaRPr>
-          </a:p>
-          <a:p>
-            <a:pPr indent="0" lvl="0" marL="0" rtl="0" algn="l">
-              <a:spcBef>
-                <a:spcPts val="0"/>
-              </a:spcBef>
-              <a:spcAft>
-                <a:spcPts val="0"/>
-              </a:spcAft>
-              <a:buClr>
-                <a:schemeClr val="dk2"/>
-              </a:buClr>
-              <a:buSzPts val="1100"/>
-              <a:buFont typeface="Arial"/>
-              <a:buNone/>
-            </a:pPr>
-            <a:r>
-              <a:rPr b="1" lang="en" sz="1400">
-                <a:highlight>
-                  <a:schemeClr val="lt1"/>
-                </a:highlight>
-                <a:latin typeface="Nunito"/>
-                <a:ea typeface="Nunito"/>
-                <a:cs typeface="Nunito"/>
-                <a:sym typeface="Nunito"/>
-              </a:rPr>
-              <a:t>c_class, c_subclass, c_element, c_helmet, c_arms, c_legs, c_torso, c_acctinfo</a:t>
-            </a:r>
-            <a:endParaRPr sz="1400">
-              <a:highlight>
-                <a:schemeClr val="lt1"/>
-              </a:highlight>
-            </a:endParaRPr>
-          </a:p>
-        </p:txBody>
-      </p:sp>
-      <p:sp>
-        <p:nvSpPr>
-          <p:cNvPr id="81" name="Google Shape;81;p16"/>
-          <p:cNvSpPr txBox="1"/>
-          <p:nvPr>
-            <p:ph idx="1" type="body"/>
-          </p:nvPr>
-        </p:nvSpPr>
-        <p:spPr>
-          <a:xfrm>
-            <a:off x="101450" y="3544154"/>
-            <a:ext cx="3981900" cy="1033800"/>
-          </a:xfrm>
-          <a:prstGeom prst="rect">
-            <a:avLst/>
-          </a:prstGeom>
-        </p:spPr>
-        <p:txBody>
-          <a:bodyPr anchorCtr="0" anchor="t" bIns="91425" lIns="91425" spcFirstLastPara="1" rIns="91425" wrap="square" tIns="91425">
-            <a:normAutofit fontScale="92500" lnSpcReduction="10000"/>
-          </a:bodyPr>
-          <a:lstStyle/>
-          <a:p>
-            <a:pPr indent="0" lvl="0" marL="0" rtl="0" algn="l">
-              <a:spcBef>
-                <a:spcPts val="0"/>
-              </a:spcBef>
-              <a:spcAft>
-                <a:spcPts val="0"/>
-              </a:spcAft>
-              <a:buNone/>
-            </a:pPr>
-            <a:r>
-              <a:rPr b="1" lang="en" sz="1600">
-                <a:highlight>
-                  <a:schemeClr val="lt1"/>
-                </a:highlight>
-              </a:rPr>
-              <a:t>D2 Armor</a:t>
-            </a:r>
-            <a:endParaRPr b="1" sz="1600">
-              <a:highlight>
-                <a:schemeClr val="lt1"/>
-              </a:highlight>
-            </a:endParaRPr>
-          </a:p>
-          <a:p>
-            <a:pPr indent="0" lvl="0" marL="0" rtl="0" algn="l">
-              <a:spcBef>
-                <a:spcPts val="0"/>
-              </a:spcBef>
-              <a:spcAft>
-                <a:spcPts val="0"/>
-              </a:spcAft>
-              <a:buClr>
-                <a:schemeClr val="dk2"/>
-              </a:buClr>
-              <a:buSzPct val="78571"/>
-              <a:buFont typeface="Arial"/>
-              <a:buNone/>
-            </a:pPr>
-            <a:r>
-              <a:rPr b="1" lang="en" sz="1400">
-                <a:highlight>
-                  <a:schemeClr val="lt1"/>
-                </a:highlight>
-                <a:latin typeface="Nunito"/>
-                <a:ea typeface="Nunito"/>
-                <a:cs typeface="Nunito"/>
-                <a:sym typeface="Nunito"/>
-              </a:rPr>
-              <a:t>a_name, a_class, a_subclass, a_support, a_season, a_ornament, a_mods, a_description, a_helmet, a_arms, a_legs, a_torso </a:t>
-            </a:r>
-            <a:endParaRPr sz="1400">
-              <a:highlight>
-                <a:schemeClr val="lt1"/>
-              </a:highlight>
-            </a:endParaRPr>
-          </a:p>
-        </p:txBody>
-      </p:sp>
-      <p:sp>
-        <p:nvSpPr>
-          <p:cNvPr id="82" name="Google Shape;82;p16"/>
-          <p:cNvSpPr txBox="1"/>
-          <p:nvPr>
-            <p:ph idx="1" type="body"/>
-          </p:nvPr>
-        </p:nvSpPr>
-        <p:spPr>
-          <a:xfrm>
-            <a:off x="101450" y="1056454"/>
-            <a:ext cx="3981900" cy="1033800"/>
-          </a:xfrm>
-          <a:prstGeom prst="rect">
-            <a:avLst/>
-          </a:prstGeom>
-        </p:spPr>
-        <p:txBody>
-          <a:bodyPr anchorCtr="0" anchor="t" bIns="91425" lIns="91425" spcFirstLastPara="1" rIns="91425" wrap="square" tIns="91425">
-            <a:normAutofit/>
-          </a:bodyPr>
-          <a:lstStyle/>
-          <a:p>
-            <a:pPr indent="0" lvl="0" marL="0" rtl="0" algn="l">
-              <a:spcBef>
-                <a:spcPts val="0"/>
-              </a:spcBef>
-              <a:spcAft>
-                <a:spcPts val="0"/>
-              </a:spcAft>
-              <a:buNone/>
-            </a:pPr>
-            <a:r>
-              <a:rPr b="1" lang="en" sz="1600">
-                <a:highlight>
-                  <a:schemeClr val="lt1"/>
-                </a:highlight>
-              </a:rPr>
-              <a:t>User</a:t>
-            </a:r>
-            <a:endParaRPr b="1" sz="1600">
-              <a:highlight>
-                <a:schemeClr val="lt1"/>
-              </a:highlight>
-            </a:endParaRPr>
-          </a:p>
-          <a:p>
-            <a:pPr indent="0" lvl="0" marL="0" rtl="0" algn="l">
-              <a:spcBef>
-                <a:spcPts val="0"/>
-              </a:spcBef>
-              <a:spcAft>
-                <a:spcPts val="0"/>
-              </a:spcAft>
-              <a:buNone/>
-            </a:pPr>
-            <a:r>
-              <a:rPr b="1" lang="en" sz="1400">
-                <a:highlight>
-                  <a:schemeClr val="lt1"/>
-                </a:highlight>
-                <a:latin typeface="Nunito"/>
-                <a:ea typeface="Nunito"/>
-                <a:cs typeface="Nunito"/>
-                <a:sym typeface="Nunito"/>
-              </a:rPr>
-              <a:t>u_id, u_region, u_dlcowned, u_acctinfo</a:t>
-            </a:r>
-            <a:endParaRPr b="1" sz="1400">
-              <a:highlight>
-                <a:schemeClr val="lt1"/>
-              </a:highlight>
-              <a:latin typeface="Nunito"/>
-              <a:ea typeface="Nunito"/>
-              <a:cs typeface="Nunito"/>
-              <a:sym typeface="Nunito"/>
-            </a:endParaRPr>
-          </a:p>
-        </p:txBody>
-      </p:sp>
-      <p:sp>
-        <p:nvSpPr>
-          <p:cNvPr id="83" name="Google Shape;83;p16"/>
-          <p:cNvSpPr txBox="1"/>
-          <p:nvPr>
-            <p:ph idx="1" type="body"/>
-          </p:nvPr>
-        </p:nvSpPr>
-        <p:spPr>
-          <a:xfrm>
-            <a:off x="4877475" y="3544154"/>
-            <a:ext cx="3981900" cy="1033800"/>
-          </a:xfrm>
-          <a:prstGeom prst="rect">
-            <a:avLst/>
-          </a:prstGeom>
-        </p:spPr>
-        <p:txBody>
-          <a:bodyPr anchorCtr="0" anchor="t" bIns="91425" lIns="91425" spcFirstLastPara="1" rIns="91425" wrap="square" tIns="91425">
-            <a:normAutofit/>
-          </a:bodyPr>
-          <a:lstStyle/>
-          <a:p>
-            <a:pPr indent="0" lvl="0" marL="0" rtl="0" algn="l">
-              <a:spcBef>
-                <a:spcPts val="0"/>
-              </a:spcBef>
-              <a:spcAft>
-                <a:spcPts val="0"/>
-              </a:spcAft>
-              <a:buNone/>
-            </a:pPr>
-            <a:r>
-              <a:rPr b="1" lang="en" sz="1600">
-                <a:highlight>
-                  <a:schemeClr val="lt1"/>
-                </a:highlight>
-              </a:rPr>
-              <a:t>Game Activities</a:t>
-            </a:r>
-            <a:endParaRPr b="1" sz="1600">
-              <a:highlight>
-                <a:schemeClr val="lt1"/>
-              </a:highlight>
-            </a:endParaRPr>
-          </a:p>
-          <a:p>
-            <a:pPr indent="0" lvl="0" marL="0" rtl="0" algn="l">
-              <a:spcBef>
-                <a:spcPts val="0"/>
-              </a:spcBef>
-              <a:spcAft>
-                <a:spcPts val="0"/>
-              </a:spcAft>
-              <a:buClr>
-                <a:schemeClr val="dk2"/>
-              </a:buClr>
-              <a:buSzPts val="1100"/>
-              <a:buFont typeface="Arial"/>
-              <a:buNone/>
-            </a:pPr>
-            <a:r>
-              <a:rPr b="1" lang="en" sz="1400">
-                <a:highlight>
-                  <a:schemeClr val="lt1"/>
-                </a:highlight>
-                <a:latin typeface="Nunito"/>
-                <a:ea typeface="Nunito"/>
-                <a:cs typeface="Nunito"/>
-                <a:sym typeface="Nunito"/>
-              </a:rPr>
-              <a:t>ga_strike, ga_crucible, ga_gambit, ga_tower, ga_season, ga_planets</a:t>
-            </a:r>
-            <a:endParaRPr sz="1400">
-              <a:highlight>
-                <a:schemeClr val="lt1"/>
-              </a:highlight>
-            </a:endParaRPr>
-          </a:p>
-        </p:txBody>
-      </p:sp>
-      <p:sp>
-        <p:nvSpPr>
-          <p:cNvPr id="84" name="Google Shape;84;p16"/>
-          <p:cNvSpPr txBox="1"/>
-          <p:nvPr>
-            <p:ph idx="1" type="body"/>
-          </p:nvPr>
-        </p:nvSpPr>
-        <p:spPr>
-          <a:xfrm>
-            <a:off x="4877475" y="1056454"/>
-            <a:ext cx="3981900" cy="1033800"/>
-          </a:xfrm>
-          <a:prstGeom prst="rect">
-            <a:avLst/>
-          </a:prstGeom>
-        </p:spPr>
-        <p:txBody>
-          <a:bodyPr anchorCtr="0" anchor="t" bIns="91425" lIns="91425" spcFirstLastPara="1" rIns="91425" wrap="square" tIns="91425">
-            <a:normAutofit/>
-          </a:bodyPr>
-          <a:lstStyle/>
-          <a:p>
-            <a:pPr indent="0" lvl="0" marL="0" rtl="0" algn="l">
-              <a:spcBef>
-                <a:spcPts val="0"/>
-              </a:spcBef>
-              <a:spcAft>
-                <a:spcPts val="0"/>
-              </a:spcAft>
-              <a:buNone/>
-            </a:pPr>
-            <a:r>
-              <a:rPr b="1" lang="en" sz="1600">
-                <a:highlight>
-                  <a:schemeClr val="lt1"/>
-                </a:highlight>
-              </a:rPr>
-              <a:t>Bungie(developer)</a:t>
-            </a:r>
-            <a:endParaRPr b="1" sz="1600">
-              <a:highlight>
-                <a:schemeClr val="lt1"/>
-              </a:highlight>
-            </a:endParaRPr>
-          </a:p>
-          <a:p>
-            <a:pPr indent="0" lvl="0" marL="0" rtl="0" algn="l">
-              <a:spcBef>
-                <a:spcPts val="0"/>
-              </a:spcBef>
-              <a:spcAft>
-                <a:spcPts val="0"/>
-              </a:spcAft>
-              <a:buClr>
-                <a:schemeClr val="dk2"/>
-              </a:buClr>
-              <a:buSzPts val="1100"/>
-              <a:buFont typeface="Arial"/>
-              <a:buNone/>
-            </a:pPr>
-            <a:r>
-              <a:rPr b="1" lang="en" sz="1400">
-                <a:highlight>
-                  <a:schemeClr val="lt1"/>
-                </a:highlight>
-                <a:latin typeface="Nunito"/>
-                <a:ea typeface="Nunito"/>
-                <a:cs typeface="Nunito"/>
-                <a:sym typeface="Nunito"/>
-              </a:rPr>
-              <a:t>b_id, b_sources, b_access, b_shop, b_campaign</a:t>
-            </a:r>
-            <a:endParaRPr sz="1400">
-              <a:highlight>
-                <a:schemeClr val="lt1"/>
-              </a:highlight>
-            </a:endParaRPr>
-          </a:p>
-        </p:txBody>
-      </p:sp>
     </p:spTree>
   </p:cSld>
   <p:clrMapOvr>
@@ -7685,9 +7296,16 @@
 <file path=ppt/slides/slide5.xml><?xml version="1.0" encoding="utf-8"?>
 <p:sld xmlns:a="http://schemas.openxmlformats.org/drawingml/2006/main" xmlns:r="http://schemas.openxmlformats.org/officeDocument/2006/relationships" xmlns:mc="http://schemas.openxmlformats.org/markup-compatibility/2006" xmlns:mv="urn:schemas-microsoft-com:mac:vml" xmlns:p="http://schemas.openxmlformats.org/presentationml/2006/main" xmlns:c="http://schemas.openxmlformats.org/drawingml/2006/chart" xmlns:dgm="http://schemas.openxmlformats.org/drawingml/2006/diagram" xmlns:o="urn:schemas-microsoft-com:office:office" xmlns:v="urn:schemas-microsoft-com:vml" xmlns:pvml="urn:schemas-microsoft-com:office:powerpoint" xmlns:com="http://schemas.openxmlformats.org/drawingml/2006/compatibility" xmlns:p14="http://schemas.microsoft.com/office/powerpoint/2010/main" xmlns:p15="http://schemas.microsoft.com/office/powerpoint/2012/main" xmlns:ahyp="http://schemas.microsoft.com/office/drawing/2018/hyperlinkcolor">
   <p:cSld>
+    <p:bg>
+      <p:bgPr>
+        <a:solidFill>
+          <a:schemeClr val="lt2"/>
+        </a:solidFill>
+      </p:bgPr>
+    </p:bg>
     <p:spTree>
       <p:nvGrpSpPr>
-        <p:cNvPr id="88" name="Shape 88"/>
+        <p:cNvPr id="82" name="Shape 82"/>
         <p:cNvGrpSpPr/>
         <p:nvPr/>
       </p:nvGrpSpPr>
@@ -7701,7 +7319,7 @@
       </p:grpSpPr>
       <p:sp>
         <p:nvSpPr>
-          <p:cNvPr id="89" name="Google Shape;89;p17"/>
+          <p:cNvPr id="83" name="Google Shape;83;p17"/>
           <p:cNvSpPr txBox="1"/>
           <p:nvPr>
             <p:ph type="title"/>
@@ -7733,6 +7351,103 @@
             </a:pPr>
             <a:r>
               <a:rPr lang="en"/>
+              <a:t>Github Repo:</a:t>
+            </a:r>
+            <a:endParaRPr/>
+          </a:p>
+          <a:p>
+            <a:pPr indent="0" lvl="0" marL="0" rtl="0" algn="ctr">
+              <a:spcBef>
+                <a:spcPts val="0"/>
+              </a:spcBef>
+              <a:spcAft>
+                <a:spcPts val="0"/>
+              </a:spcAft>
+              <a:buNone/>
+            </a:pPr>
+            <a:r>
+              <a:rPr lang="en" sz="2600" u="sng">
+                <a:highlight>
+                  <a:schemeClr val="lt1"/>
+                </a:highlight>
+                <a:hlinkClick r:id="rId3"/>
+              </a:rPr>
+              <a:t>Sean02/Destiny_2_Exotic_Armor: Database Project for CSE111 - Database Systems (github.com)</a:t>
+            </a:r>
+            <a:endParaRPr sz="2600">
+              <a:highlight>
+                <a:schemeClr val="lt1"/>
+              </a:highlight>
+            </a:endParaRPr>
+          </a:p>
+        </p:txBody>
+      </p:sp>
+    </p:spTree>
+  </p:cSld>
+  <p:clrMapOvr>
+    <a:masterClrMapping/>
+  </p:clrMapOvr>
+</p:sld>
+</file>
+
+<file path=ppt/slides/slide6.xml><?xml version="1.0" encoding="utf-8"?>
+<p:sld xmlns:a="http://schemas.openxmlformats.org/drawingml/2006/main" xmlns:r="http://schemas.openxmlformats.org/officeDocument/2006/relationships" xmlns:mc="http://schemas.openxmlformats.org/markup-compatibility/2006" xmlns:mv="urn:schemas-microsoft-com:mac:vml" xmlns:p="http://schemas.openxmlformats.org/presentationml/2006/main" xmlns:c="http://schemas.openxmlformats.org/drawingml/2006/chart" xmlns:dgm="http://schemas.openxmlformats.org/drawingml/2006/diagram" xmlns:o="urn:schemas-microsoft-com:office:office" xmlns:v="urn:schemas-microsoft-com:vml" xmlns:pvml="urn:schemas-microsoft-com:office:powerpoint" xmlns:com="http://schemas.openxmlformats.org/drawingml/2006/compatibility" xmlns:p14="http://schemas.microsoft.com/office/powerpoint/2010/main" xmlns:p15="http://schemas.microsoft.com/office/powerpoint/2012/main" xmlns:ahyp="http://schemas.microsoft.com/office/drawing/2018/hyperlinkcolor">
+  <p:cSld>
+    <p:bg>
+      <p:bgPr>
+        <a:solidFill>
+          <a:schemeClr val="accent4"/>
+        </a:solidFill>
+      </p:bgPr>
+    </p:bg>
+    <p:spTree>
+      <p:nvGrpSpPr>
+        <p:cNvPr id="87" name="Shape 87"/>
+        <p:cNvGrpSpPr/>
+        <p:nvPr/>
+      </p:nvGrpSpPr>
+      <p:grpSpPr>
+        <a:xfrm>
+          <a:off x="0" y="0"/>
+          <a:ext cx="0" cy="0"/>
+          <a:chOff x="0" y="0"/>
+          <a:chExt cx="0" cy="0"/>
+        </a:xfrm>
+      </p:grpSpPr>
+      <p:sp>
+        <p:nvSpPr>
+          <p:cNvPr id="88" name="Google Shape;88;p18"/>
+          <p:cNvSpPr txBox="1"/>
+          <p:nvPr>
+            <p:ph type="title"/>
+          </p:nvPr>
+        </p:nvSpPr>
+        <p:spPr>
+          <a:xfrm>
+            <a:off x="344250" y="1403850"/>
+            <a:ext cx="8455500" cy="2146800"/>
+          </a:xfrm>
+          <a:prstGeom prst="rect">
+            <a:avLst/>
+          </a:prstGeom>
+        </p:spPr>
+        <p:txBody>
+          <a:bodyPr anchorCtr="0" anchor="ctr" bIns="91425" lIns="91425" spcFirstLastPara="1" rIns="91425" wrap="square" tIns="91425">
+            <a:normAutofit/>
+          </a:bodyPr>
+          <a:lstStyle/>
+          <a:p>
+            <a:pPr indent="0" lvl="0" marL="0" rtl="0" algn="ctr">
+              <a:spcBef>
+                <a:spcPts val="0"/>
+              </a:spcBef>
+              <a:spcAft>
+                <a:spcPts val="0"/>
+              </a:spcAft>
+              <a:buNone/>
+            </a:pPr>
+            <a:r>
+              <a:rPr lang="en"/>
               <a:t>That’s all Guardian</a:t>
             </a:r>
             <a:endParaRPr/>
@@ -7741,7 +7456,7 @@
       </p:sp>
       <p:pic>
         <p:nvPicPr>
-          <p:cNvPr id="90" name="Google Shape;90;p17"/>
+          <p:cNvPr id="89" name="Google Shape;89;p18"/>
           <p:cNvPicPr preferRelativeResize="0"/>
           <p:nvPr/>
         </p:nvPicPr>
@@ -7769,7 +7484,7 @@
       </p:pic>
       <p:pic>
         <p:nvPicPr>
-          <p:cNvPr id="91" name="Google Shape;91;p17"/>
+          <p:cNvPr id="90" name="Google Shape;90;p18"/>
           <p:cNvPicPr preferRelativeResize="0"/>
           <p:nvPr/>
         </p:nvPicPr>

--- a/Phase 1.pptx
+++ b/Phase 1.pptx
@@ -14,28 +14,29 @@
     <p:sldId id="259" r:id="rId9"/>
     <p:sldId id="260" r:id="rId10"/>
     <p:sldId id="261" r:id="rId11"/>
+    <p:sldId id="262" r:id="rId12"/>
   </p:sldIdLst>
   <p:sldSz cy="5143500" cx="9144000"/>
   <p:notesSz cx="6858000" cy="9144000"/>
   <p:embeddedFontLst>
     <p:embeddedFont>
       <p:font typeface="Playfair Display"/>
-      <p:regular r:id="rId12"/>
-      <p:bold r:id="rId13"/>
-      <p:italic r:id="rId14"/>
-      <p:boldItalic r:id="rId15"/>
+      <p:regular r:id="rId13"/>
+      <p:bold r:id="rId14"/>
+      <p:italic r:id="rId15"/>
+      <p:boldItalic r:id="rId16"/>
     </p:embeddedFont>
     <p:embeddedFont>
       <p:font typeface="Montserrat"/>
-      <p:regular r:id="rId16"/>
-      <p:bold r:id="rId17"/>
-      <p:italic r:id="rId18"/>
-      <p:boldItalic r:id="rId19"/>
+      <p:regular r:id="rId17"/>
+      <p:bold r:id="rId18"/>
+      <p:italic r:id="rId19"/>
+      <p:boldItalic r:id="rId20"/>
     </p:embeddedFont>
     <p:embeddedFont>
       <p:font typeface="Oswald"/>
-      <p:regular r:id="rId20"/>
-      <p:bold r:id="rId21"/>
+      <p:regular r:id="rId21"/>
+      <p:bold r:id="rId22"/>
     </p:embeddedFont>
   </p:embeddedFontLst>
   <p:defaultTextStyle>
@@ -830,7 +831,7 @@
       </p:grpSpPr>
       <p:sp>
         <p:nvSpPr>
-          <p:cNvPr id="61" name="Google Shape;61;gc6f59039d_0_14:notes"/>
+          <p:cNvPr id="61" name="Google Shape;61;gf99c0c58b9_0_7:notes"/>
           <p:cNvSpPr/>
           <p:nvPr>
             <p:ph idx="2" type="sldImg"/>
@@ -838,8 +839,8 @@
         </p:nvSpPr>
         <p:spPr>
           <a:xfrm>
-            <a:off x="381188" y="685800"/>
-            <a:ext cx="6096300" cy="3429000"/>
+            <a:off x="381300" y="685800"/>
+            <a:ext cx="6096000" cy="3429000"/>
           </a:xfrm>
           <a:custGeom>
             <a:rect b="b" l="l" r="r" t="t"/>
@@ -865,7 +866,7 @@
       </p:sp>
       <p:sp>
         <p:nvSpPr>
-          <p:cNvPr id="62" name="Google Shape;62;gc6f59039d_0_14:notes"/>
+          <p:cNvPr id="62" name="Google Shape;62;gf99c0c58b9_0_7:notes"/>
           <p:cNvSpPr txBox="1"/>
           <p:nvPr>
             <p:ph idx="1" type="body"/>
@@ -929,7 +930,7 @@
       </p:grpSpPr>
       <p:sp>
         <p:nvSpPr>
-          <p:cNvPr id="68" name="Google Shape;68;gc6f59039d_0_24:notes"/>
+          <p:cNvPr id="68" name="Google Shape;68;gc6f59039d_0_14:notes"/>
           <p:cNvSpPr/>
           <p:nvPr>
             <p:ph idx="2" type="sldImg"/>
@@ -964,7 +965,7 @@
       </p:sp>
       <p:sp>
         <p:nvSpPr>
-          <p:cNvPr id="69" name="Google Shape;69;gc6f59039d_0_24:notes"/>
+          <p:cNvPr id="69" name="Google Shape;69;gc6f59039d_0_14:notes"/>
           <p:cNvSpPr txBox="1"/>
           <p:nvPr>
             <p:ph idx="1" type="body"/>
@@ -1014,7 +1015,7 @@
   <p:cSld>
     <p:spTree>
       <p:nvGrpSpPr>
-        <p:cNvPr id="73" name="Shape 73"/>
+        <p:cNvPr id="74" name="Shape 74"/>
         <p:cNvGrpSpPr/>
         <p:nvPr/>
       </p:nvGrpSpPr>
@@ -1028,7 +1029,7 @@
       </p:grpSpPr>
       <p:sp>
         <p:nvSpPr>
-          <p:cNvPr id="74" name="Google Shape;74;gc6f59039d_0_29:notes"/>
+          <p:cNvPr id="75" name="Google Shape;75;gc6f59039d_0_24:notes"/>
           <p:cNvSpPr/>
           <p:nvPr>
             <p:ph idx="2" type="sldImg"/>
@@ -1063,7 +1064,7 @@
       </p:sp>
       <p:sp>
         <p:nvSpPr>
-          <p:cNvPr id="75" name="Google Shape;75;gc6f59039d_0_29:notes"/>
+          <p:cNvPr id="76" name="Google Shape;76;gc6f59039d_0_24:notes"/>
           <p:cNvSpPr txBox="1"/>
           <p:nvPr>
             <p:ph idx="1" type="body"/>
@@ -1113,7 +1114,7 @@
   <p:cSld>
     <p:spTree>
       <p:nvGrpSpPr>
-        <p:cNvPr id="79" name="Shape 79"/>
+        <p:cNvPr id="80" name="Shape 80"/>
         <p:cNvGrpSpPr/>
         <p:nvPr/>
       </p:nvGrpSpPr>
@@ -1127,7 +1128,106 @@
       </p:grpSpPr>
       <p:sp>
         <p:nvSpPr>
-          <p:cNvPr id="80" name="Google Shape;80;gf99c0c58b9_1_1:notes"/>
+          <p:cNvPr id="81" name="Google Shape;81;gc6f59039d_0_29:notes"/>
+          <p:cNvSpPr/>
+          <p:nvPr>
+            <p:ph idx="2" type="sldImg"/>
+          </p:nvPr>
+        </p:nvSpPr>
+        <p:spPr>
+          <a:xfrm>
+            <a:off x="381188" y="685800"/>
+            <a:ext cx="6096300" cy="3429000"/>
+          </a:xfrm>
+          <a:custGeom>
+            <a:rect b="b" l="l" r="r" t="t"/>
+            <a:pathLst>
+              <a:path extrusionOk="0" h="120000" w="120000">
+                <a:moveTo>
+                  <a:pt x="0" y="0"/>
+                </a:moveTo>
+                <a:lnTo>
+                  <a:pt x="120000" y="0"/>
+                </a:lnTo>
+                <a:lnTo>
+                  <a:pt x="120000" y="120000"/>
+                </a:lnTo>
+                <a:lnTo>
+                  <a:pt x="0" y="120000"/>
+                </a:lnTo>
+                <a:close/>
+              </a:path>
+            </a:pathLst>
+          </a:custGeom>
+        </p:spPr>
+      </p:sp>
+      <p:sp>
+        <p:nvSpPr>
+          <p:cNvPr id="82" name="Google Shape;82;gc6f59039d_0_29:notes"/>
+          <p:cNvSpPr txBox="1"/>
+          <p:nvPr>
+            <p:ph idx="1" type="body"/>
+          </p:nvPr>
+        </p:nvSpPr>
+        <p:spPr>
+          <a:xfrm>
+            <a:off x="685800" y="4343400"/>
+            <a:ext cx="5486400" cy="4114800"/>
+          </a:xfrm>
+          <a:prstGeom prst="rect">
+            <a:avLst/>
+          </a:prstGeom>
+        </p:spPr>
+        <p:txBody>
+          <a:bodyPr anchorCtr="0" anchor="t" bIns="91425" lIns="91425" spcFirstLastPara="1" rIns="91425" wrap="square" tIns="91425">
+            <a:noAutofit/>
+          </a:bodyPr>
+          <a:lstStyle/>
+          <a:p>
+            <a:pPr indent="0" lvl="0" marL="0" rtl="0" algn="l">
+              <a:spcBef>
+                <a:spcPts val="0"/>
+              </a:spcBef>
+              <a:spcAft>
+                <a:spcPts val="0"/>
+              </a:spcAft>
+              <a:buNone/>
+            </a:pPr>
+            <a:r>
+              <a:t/>
+            </a:r>
+            <a:endParaRPr/>
+          </a:p>
+        </p:txBody>
+      </p:sp>
+    </p:spTree>
+  </p:cSld>
+  <p:clrMapOvr>
+    <a:masterClrMapping/>
+  </p:clrMapOvr>
+</p:notes>
+</file>
+
+<file path=ppt/notesSlides/notesSlide6.xml><?xml version="1.0" encoding="utf-8"?>
+<p:notes xmlns:a="http://schemas.openxmlformats.org/drawingml/2006/main" xmlns:r="http://schemas.openxmlformats.org/officeDocument/2006/relationships" xmlns:mc="http://schemas.openxmlformats.org/markup-compatibility/2006" xmlns:mv="urn:schemas-microsoft-com:mac:vml" xmlns:p="http://schemas.openxmlformats.org/presentationml/2006/main" xmlns:c="http://schemas.openxmlformats.org/drawingml/2006/chart" xmlns:dgm="http://schemas.openxmlformats.org/drawingml/2006/diagram" xmlns:o="urn:schemas-microsoft-com:office:office" xmlns:v="urn:schemas-microsoft-com:vml" xmlns:pvml="urn:schemas-microsoft-com:office:powerpoint" xmlns:com="http://schemas.openxmlformats.org/drawingml/2006/compatibility" xmlns:p14="http://schemas.microsoft.com/office/powerpoint/2010/main" xmlns:p15="http://schemas.microsoft.com/office/powerpoint/2012/main" xmlns:ahyp="http://schemas.microsoft.com/office/drawing/2018/hyperlinkcolor" showMasterPhAnim="0" showMasterSp="0">
+  <p:cSld>
+    <p:spTree>
+      <p:nvGrpSpPr>
+        <p:cNvPr id="86" name="Shape 86"/>
+        <p:cNvGrpSpPr/>
+        <p:nvPr/>
+      </p:nvGrpSpPr>
+      <p:grpSpPr>
+        <a:xfrm>
+          <a:off x="0" y="0"/>
+          <a:ext cx="0" cy="0"/>
+          <a:chOff x="0" y="0"/>
+          <a:chExt cx="0" cy="0"/>
+        </a:xfrm>
+      </p:grpSpPr>
+      <p:sp>
+        <p:nvSpPr>
+          <p:cNvPr id="87" name="Google Shape;87;gf99c0c58b9_1_1:notes"/>
           <p:cNvSpPr/>
           <p:nvPr>
             <p:ph idx="2" type="sldImg"/>
@@ -1162,7 +1262,7 @@
       </p:sp>
       <p:sp>
         <p:nvSpPr>
-          <p:cNvPr id="81" name="Google Shape;81;gf99c0c58b9_1_1:notes"/>
+          <p:cNvPr id="88" name="Google Shape;88;gf99c0c58b9_1_1:notes"/>
           <p:cNvSpPr txBox="1"/>
           <p:nvPr>
             <p:ph idx="1" type="body"/>
@@ -1207,12 +1307,12 @@
 </p:notes>
 </file>
 
-<file path=ppt/notesSlides/notesSlide6.xml><?xml version="1.0" encoding="utf-8"?>
+<file path=ppt/notesSlides/notesSlide7.xml><?xml version="1.0" encoding="utf-8"?>
 <p:notes xmlns:a="http://schemas.openxmlformats.org/drawingml/2006/main" xmlns:r="http://schemas.openxmlformats.org/officeDocument/2006/relationships" xmlns:mc="http://schemas.openxmlformats.org/markup-compatibility/2006" xmlns:mv="urn:schemas-microsoft-com:mac:vml" xmlns:p="http://schemas.openxmlformats.org/presentationml/2006/main" xmlns:c="http://schemas.openxmlformats.org/drawingml/2006/chart" xmlns:dgm="http://schemas.openxmlformats.org/drawingml/2006/diagram" xmlns:o="urn:schemas-microsoft-com:office:office" xmlns:v="urn:schemas-microsoft-com:vml" xmlns:pvml="urn:schemas-microsoft-com:office:powerpoint" xmlns:com="http://schemas.openxmlformats.org/drawingml/2006/compatibility" xmlns:p14="http://schemas.microsoft.com/office/powerpoint/2010/main" xmlns:p15="http://schemas.microsoft.com/office/powerpoint/2012/main" xmlns:ahyp="http://schemas.microsoft.com/office/drawing/2018/hyperlinkcolor" showMasterPhAnim="0" showMasterSp="0">
   <p:cSld>
     <p:spTree>
       <p:nvGrpSpPr>
-        <p:cNvPr id="84" name="Shape 84"/>
+        <p:cNvPr id="91" name="Shape 91"/>
         <p:cNvGrpSpPr/>
         <p:nvPr/>
       </p:nvGrpSpPr>
@@ -1226,7 +1326,7 @@
       </p:grpSpPr>
       <p:sp>
         <p:nvSpPr>
-          <p:cNvPr id="85" name="Google Shape;85;gc6f59039d_0_10:notes"/>
+          <p:cNvPr id="92" name="Google Shape;92;gc6f59039d_0_10:notes"/>
           <p:cNvSpPr/>
           <p:nvPr>
             <p:ph idx="2" type="sldImg"/>
@@ -1261,7 +1361,7 @@
       </p:sp>
       <p:sp>
         <p:nvSpPr>
-          <p:cNvPr id="86" name="Google Shape;86;gc6f59039d_0_10:notes"/>
+          <p:cNvPr id="93" name="Google Shape;93;gc6f59039d_0_10:notes"/>
           <p:cNvSpPr txBox="1"/>
           <p:nvPr>
             <p:ph idx="1" type="body"/>
@@ -6968,6 +7068,267 @@
         </p:nvSpPr>
         <p:spPr>
           <a:xfrm>
+            <a:off x="265500" y="1081675"/>
+            <a:ext cx="4045200" cy="1786200"/>
+          </a:xfrm>
+          <a:prstGeom prst="rect">
+            <a:avLst/>
+          </a:prstGeom>
+        </p:spPr>
+        <p:txBody>
+          <a:bodyPr anchorCtr="0" anchor="b" bIns="91425" lIns="91425" spcFirstLastPara="1" rIns="91425" wrap="square" tIns="91425">
+            <a:normAutofit/>
+          </a:bodyPr>
+          <a:lstStyle/>
+          <a:p>
+            <a:pPr indent="0" lvl="0" marL="0" rtl="0" algn="ctr">
+              <a:spcBef>
+                <a:spcPts val="0"/>
+              </a:spcBef>
+              <a:spcAft>
+                <a:spcPts val="0"/>
+              </a:spcAft>
+              <a:buNone/>
+            </a:pPr>
+            <a:r>
+              <a:rPr lang="en"/>
+              <a:t>System Description</a:t>
+            </a:r>
+            <a:endParaRPr/>
+          </a:p>
+        </p:txBody>
+      </p:sp>
+      <p:sp>
+        <p:nvSpPr>
+          <p:cNvPr id="65" name="Google Shape;65;p14"/>
+          <p:cNvSpPr txBox="1"/>
+          <p:nvPr>
+            <p:ph idx="1" type="subTitle"/>
+          </p:nvPr>
+        </p:nvSpPr>
+        <p:spPr>
+          <a:xfrm>
+            <a:off x="265500" y="2921400"/>
+            <a:ext cx="4045200" cy="1726200"/>
+          </a:xfrm>
+          <a:prstGeom prst="rect">
+            <a:avLst/>
+          </a:prstGeom>
+        </p:spPr>
+        <p:txBody>
+          <a:bodyPr anchorCtr="0" anchor="t" bIns="91425" lIns="91425" spcFirstLastPara="1" rIns="91425" wrap="square" tIns="91425">
+            <a:normAutofit/>
+          </a:bodyPr>
+          <a:lstStyle/>
+          <a:p>
+            <a:pPr indent="0" lvl="0" marL="0" rtl="0" algn="ctr">
+              <a:spcBef>
+                <a:spcPts val="0"/>
+              </a:spcBef>
+              <a:spcAft>
+                <a:spcPts val="0"/>
+              </a:spcAft>
+              <a:buNone/>
+            </a:pPr>
+            <a:r>
+              <a:rPr lang="en" sz="1800"/>
+              <a:t>Our Project is a simple updatable database</a:t>
+            </a:r>
+            <a:r>
+              <a:rPr lang="en" sz="1800"/>
+              <a:t>,</a:t>
+            </a:r>
+            <a:r>
+              <a:rPr lang="en" sz="1800"/>
+              <a:t> meant to store information on the current Exotic armor pieces within the game,</a:t>
+            </a:r>
+            <a:endParaRPr sz="1800"/>
+          </a:p>
+          <a:p>
+            <a:pPr indent="0" lvl="0" marL="0" rtl="0" algn="ctr">
+              <a:spcBef>
+                <a:spcPts val="0"/>
+              </a:spcBef>
+              <a:spcAft>
+                <a:spcPts val="0"/>
+              </a:spcAft>
+              <a:buNone/>
+            </a:pPr>
+            <a:r>
+              <a:rPr i="1" lang="en" sz="1800"/>
+              <a:t>Destiny 2</a:t>
+            </a:r>
+            <a:endParaRPr i="1" sz="1800"/>
+          </a:p>
+        </p:txBody>
+      </p:sp>
+      <p:sp>
+        <p:nvSpPr>
+          <p:cNvPr id="66" name="Google Shape;66;p14"/>
+          <p:cNvSpPr txBox="1"/>
+          <p:nvPr>
+            <p:ph idx="2" type="body"/>
+          </p:nvPr>
+        </p:nvSpPr>
+        <p:spPr>
+          <a:xfrm>
+            <a:off x="4939500" y="724200"/>
+            <a:ext cx="3837000" cy="3695100"/>
+          </a:xfrm>
+          <a:prstGeom prst="rect">
+            <a:avLst/>
+          </a:prstGeom>
+        </p:spPr>
+        <p:txBody>
+          <a:bodyPr anchorCtr="0" anchor="ctr" bIns="91425" lIns="91425" spcFirstLastPara="1" rIns="91425" wrap="square" tIns="91425">
+            <a:normAutofit/>
+          </a:bodyPr>
+          <a:lstStyle/>
+          <a:p>
+            <a:pPr indent="0" lvl="0" marL="0" rtl="0" algn="l">
+              <a:spcBef>
+                <a:spcPts val="0"/>
+              </a:spcBef>
+              <a:spcAft>
+                <a:spcPts val="0"/>
+              </a:spcAft>
+              <a:buNone/>
+            </a:pPr>
+            <a:r>
+              <a:rPr lang="en"/>
+              <a:t>User:</a:t>
+            </a:r>
+            <a:endParaRPr/>
+          </a:p>
+          <a:p>
+            <a:pPr indent="-342900" lvl="0" marL="457200" rtl="0" algn="l">
+              <a:spcBef>
+                <a:spcPts val="1200"/>
+              </a:spcBef>
+              <a:spcAft>
+                <a:spcPts val="0"/>
+              </a:spcAft>
+              <a:buSzPts val="1800"/>
+              <a:buChar char="●"/>
+            </a:pPr>
+            <a:r>
+              <a:rPr lang="en"/>
+              <a:t>Creates the character </a:t>
+            </a:r>
+            <a:endParaRPr/>
+          </a:p>
+          <a:p>
+            <a:pPr indent="-342900" lvl="0" marL="457200" rtl="0" algn="l">
+              <a:spcBef>
+                <a:spcPts val="0"/>
+              </a:spcBef>
+              <a:spcAft>
+                <a:spcPts val="0"/>
+              </a:spcAft>
+              <a:buSzPts val="1800"/>
+              <a:buChar char="●"/>
+            </a:pPr>
+            <a:r>
+              <a:rPr lang="en"/>
+              <a:t>Equips and finds the new armor</a:t>
+            </a:r>
+            <a:endParaRPr/>
+          </a:p>
+          <a:p>
+            <a:pPr indent="0" lvl="0" marL="0" rtl="0" algn="l">
+              <a:spcBef>
+                <a:spcPts val="1200"/>
+              </a:spcBef>
+              <a:spcAft>
+                <a:spcPts val="0"/>
+              </a:spcAft>
+              <a:buNone/>
+            </a:pPr>
+            <a:r>
+              <a:rPr lang="en"/>
+              <a:t>Bungie: </a:t>
+            </a:r>
+            <a:endParaRPr/>
+          </a:p>
+          <a:p>
+            <a:pPr indent="-342900" lvl="0" marL="457200" rtl="0" algn="l">
+              <a:spcBef>
+                <a:spcPts val="1200"/>
+              </a:spcBef>
+              <a:spcAft>
+                <a:spcPts val="0"/>
+              </a:spcAft>
+              <a:buSzPts val="1800"/>
+              <a:buChar char="●"/>
+            </a:pPr>
+            <a:r>
+              <a:rPr lang="en"/>
+              <a:t>Create</a:t>
+            </a:r>
+            <a:r>
+              <a:rPr lang="en"/>
+              <a:t>s</a:t>
+            </a:r>
+            <a:r>
+              <a:rPr lang="en"/>
+              <a:t> the game loot and activities</a:t>
+            </a:r>
+            <a:endParaRPr/>
+          </a:p>
+          <a:p>
+            <a:pPr indent="-342900" lvl="0" marL="457200" rtl="0" algn="l">
+              <a:spcBef>
+                <a:spcPts val="0"/>
+              </a:spcBef>
+              <a:spcAft>
+                <a:spcPts val="0"/>
+              </a:spcAft>
+              <a:buSzPts val="1800"/>
+              <a:buChar char="●"/>
+            </a:pPr>
+            <a:r>
+              <a:rPr lang="en"/>
+              <a:t>Updates game information to change different aspects</a:t>
+            </a:r>
+            <a:endParaRPr/>
+          </a:p>
+        </p:txBody>
+      </p:sp>
+    </p:spTree>
+  </p:cSld>
+  <p:clrMapOvr>
+    <a:masterClrMapping/>
+  </p:clrMapOvr>
+</p:sld>
+</file>
+
+<file path=ppt/slides/slide3.xml><?xml version="1.0" encoding="utf-8"?>
+<p:sld xmlns:a="http://schemas.openxmlformats.org/drawingml/2006/main" xmlns:r="http://schemas.openxmlformats.org/officeDocument/2006/relationships" xmlns:mc="http://schemas.openxmlformats.org/markup-compatibility/2006" xmlns:mv="urn:schemas-microsoft-com:mac:vml" xmlns:p="http://schemas.openxmlformats.org/presentationml/2006/main" xmlns:c="http://schemas.openxmlformats.org/drawingml/2006/chart" xmlns:dgm="http://schemas.openxmlformats.org/drawingml/2006/diagram" xmlns:o="urn:schemas-microsoft-com:office:office" xmlns:v="urn:schemas-microsoft-com:vml" xmlns:pvml="urn:schemas-microsoft-com:office:powerpoint" xmlns:com="http://schemas.openxmlformats.org/drawingml/2006/compatibility" xmlns:p14="http://schemas.microsoft.com/office/powerpoint/2010/main" xmlns:p15="http://schemas.microsoft.com/office/powerpoint/2012/main" xmlns:ahyp="http://schemas.microsoft.com/office/drawing/2018/hyperlinkcolor">
+  <p:cSld>
+    <p:spTree>
+      <p:nvGrpSpPr>
+        <p:cNvPr id="70" name="Shape 70"/>
+        <p:cNvGrpSpPr/>
+        <p:nvPr/>
+      </p:nvGrpSpPr>
+      <p:grpSpPr>
+        <a:xfrm>
+          <a:off x="0" y="0"/>
+          <a:ext cx="0" cy="0"/>
+          <a:chOff x="0" y="0"/>
+          <a:chExt cx="0" cy="0"/>
+        </a:xfrm>
+      </p:grpSpPr>
+      <p:sp>
+        <p:nvSpPr>
+          <p:cNvPr id="71" name="Google Shape;71;p15"/>
+          <p:cNvSpPr txBox="1"/>
+          <p:nvPr>
+            <p:ph type="title"/>
+          </p:nvPr>
+        </p:nvSpPr>
+        <p:spPr>
+          <a:xfrm>
             <a:off x="137025" y="0"/>
             <a:ext cx="4045200" cy="899700"/>
           </a:xfrm>
@@ -7000,7 +7361,7 @@
       </p:sp>
       <p:sp>
         <p:nvSpPr>
-          <p:cNvPr id="65" name="Google Shape;65;p14"/>
+          <p:cNvPr id="72" name="Google Shape;72;p15"/>
           <p:cNvSpPr txBox="1"/>
           <p:nvPr>
             <p:ph idx="1" type="subTitle"/>
@@ -7032,7 +7393,7 @@
             </a:pPr>
             <a:r>
               <a:rPr lang="en"/>
-              <a:t>Lucid Chart</a:t>
+              <a:t>Made w/ Lucidchart</a:t>
             </a:r>
             <a:endParaRPr/>
           </a:p>
@@ -7055,7 +7416,7 @@
       </p:sp>
       <p:pic>
         <p:nvPicPr>
-          <p:cNvPr id="66" name="Google Shape;66;p14"/>
+          <p:cNvPr id="73" name="Google Shape;73;p15"/>
           <p:cNvPicPr preferRelativeResize="0"/>
           <p:nvPr/>
         </p:nvPicPr>
@@ -7089,7 +7450,7 @@
 </p:sld>
 </file>
 
-<file path=ppt/slides/slide3.xml><?xml version="1.0" encoding="utf-8"?>
+<file path=ppt/slides/slide4.xml><?xml version="1.0" encoding="utf-8"?>
 <p:sld xmlns:a="http://schemas.openxmlformats.org/drawingml/2006/main" xmlns:r="http://schemas.openxmlformats.org/officeDocument/2006/relationships" xmlns:mc="http://schemas.openxmlformats.org/markup-compatibility/2006" xmlns:mv="urn:schemas-microsoft-com:mac:vml" xmlns:p="http://schemas.openxmlformats.org/presentationml/2006/main" xmlns:c="http://schemas.openxmlformats.org/drawingml/2006/chart" xmlns:dgm="http://schemas.openxmlformats.org/drawingml/2006/diagram" xmlns:o="urn:schemas-microsoft-com:office:office" xmlns:v="urn:schemas-microsoft-com:vml" xmlns:pvml="urn:schemas-microsoft-com:office:powerpoint" xmlns:com="http://schemas.openxmlformats.org/drawingml/2006/compatibility" xmlns:p14="http://schemas.microsoft.com/office/powerpoint/2010/main" xmlns:p15="http://schemas.microsoft.com/office/powerpoint/2012/main" xmlns:ahyp="http://schemas.microsoft.com/office/drawing/2018/hyperlinkcolor">
   <p:cSld>
     <p:bg>
@@ -7101,7 +7462,7 @@
     </p:bg>
     <p:spTree>
       <p:nvGrpSpPr>
-        <p:cNvPr id="70" name="Shape 70"/>
+        <p:cNvPr id="77" name="Shape 77"/>
         <p:cNvGrpSpPr/>
         <p:nvPr/>
       </p:nvGrpSpPr>
@@ -7115,7 +7476,7 @@
       </p:grpSpPr>
       <p:sp>
         <p:nvSpPr>
-          <p:cNvPr id="71" name="Google Shape;71;p15"/>
+          <p:cNvPr id="78" name="Google Shape;78;p16"/>
           <p:cNvSpPr txBox="1"/>
           <p:nvPr>
             <p:ph idx="1" type="body"/>
@@ -7156,7 +7517,7 @@
       </p:sp>
       <p:pic>
         <p:nvPicPr>
-          <p:cNvPr id="72" name="Google Shape;72;p15"/>
+          <p:cNvPr id="79" name="Google Shape;79;p16"/>
           <p:cNvPicPr preferRelativeResize="0"/>
           <p:nvPr/>
         </p:nvPicPr>
@@ -7190,7 +7551,7 @@
 </p:sld>
 </file>
 
-<file path=ppt/slides/slide4.xml><?xml version="1.0" encoding="utf-8"?>
+<file path=ppt/slides/slide5.xml><?xml version="1.0" encoding="utf-8"?>
 <p:sld xmlns:a="http://schemas.openxmlformats.org/drawingml/2006/main" xmlns:r="http://schemas.openxmlformats.org/officeDocument/2006/relationships" xmlns:mc="http://schemas.openxmlformats.org/markup-compatibility/2006" xmlns:mv="urn:schemas-microsoft-com:mac:vml" xmlns:p="http://schemas.openxmlformats.org/presentationml/2006/main" xmlns:c="http://schemas.openxmlformats.org/drawingml/2006/chart" xmlns:dgm="http://schemas.openxmlformats.org/drawingml/2006/diagram" xmlns:o="urn:schemas-microsoft-com:office:office" xmlns:v="urn:schemas-microsoft-com:vml" xmlns:pvml="urn:schemas-microsoft-com:office:powerpoint" xmlns:com="http://schemas.openxmlformats.org/drawingml/2006/compatibility" xmlns:p14="http://schemas.microsoft.com/office/powerpoint/2010/main" xmlns:p15="http://schemas.microsoft.com/office/powerpoint/2012/main" xmlns:ahyp="http://schemas.microsoft.com/office/drawing/2018/hyperlinkcolor">
   <p:cSld>
     <p:bg>
@@ -7202,7 +7563,7 @@
     </p:bg>
     <p:spTree>
       <p:nvGrpSpPr>
-        <p:cNvPr id="76" name="Shape 76"/>
+        <p:cNvPr id="83" name="Shape 83"/>
         <p:cNvGrpSpPr/>
         <p:nvPr/>
       </p:nvGrpSpPr>
@@ -7216,7 +7577,7 @@
       </p:grpSpPr>
       <p:sp>
         <p:nvSpPr>
-          <p:cNvPr id="77" name="Google Shape;77;p16"/>
+          <p:cNvPr id="84" name="Google Shape;84;p17"/>
           <p:cNvSpPr txBox="1"/>
           <p:nvPr>
             <p:ph type="title"/>
@@ -7259,7 +7620,7 @@
       </p:sp>
       <p:pic>
         <p:nvPicPr>
-          <p:cNvPr id="78" name="Google Shape;78;p16"/>
+          <p:cNvPr id="85" name="Google Shape;85;p17"/>
           <p:cNvPicPr preferRelativeResize="0"/>
           <p:nvPr/>
         </p:nvPicPr>
@@ -7293,7 +7654,7 @@
 </p:sld>
 </file>
 
-<file path=ppt/slides/slide5.xml><?xml version="1.0" encoding="utf-8"?>
+<file path=ppt/slides/slide6.xml><?xml version="1.0" encoding="utf-8"?>
 <p:sld xmlns:a="http://schemas.openxmlformats.org/drawingml/2006/main" xmlns:r="http://schemas.openxmlformats.org/officeDocument/2006/relationships" xmlns:mc="http://schemas.openxmlformats.org/markup-compatibility/2006" xmlns:mv="urn:schemas-microsoft-com:mac:vml" xmlns:p="http://schemas.openxmlformats.org/presentationml/2006/main" xmlns:c="http://schemas.openxmlformats.org/drawingml/2006/chart" xmlns:dgm="http://schemas.openxmlformats.org/drawingml/2006/diagram" xmlns:o="urn:schemas-microsoft-com:office:office" xmlns:v="urn:schemas-microsoft-com:vml" xmlns:pvml="urn:schemas-microsoft-com:office:powerpoint" xmlns:com="http://schemas.openxmlformats.org/drawingml/2006/compatibility" xmlns:p14="http://schemas.microsoft.com/office/powerpoint/2010/main" xmlns:p15="http://schemas.microsoft.com/office/powerpoint/2012/main" xmlns:ahyp="http://schemas.microsoft.com/office/drawing/2018/hyperlinkcolor">
   <p:cSld>
     <p:bg>
@@ -7305,7 +7666,7 @@
     </p:bg>
     <p:spTree>
       <p:nvGrpSpPr>
-        <p:cNvPr id="82" name="Shape 82"/>
+        <p:cNvPr id="89" name="Shape 89"/>
         <p:cNvGrpSpPr/>
         <p:nvPr/>
       </p:nvGrpSpPr>
@@ -7319,7 +7680,7 @@
       </p:grpSpPr>
       <p:sp>
         <p:nvSpPr>
-          <p:cNvPr id="83" name="Google Shape;83;p17"/>
+          <p:cNvPr id="90" name="Google Shape;90;p18"/>
           <p:cNvSpPr txBox="1"/>
           <p:nvPr>
             <p:ph type="title"/>
@@ -7390,7 +7751,7 @@
 </p:sld>
 </file>
 
-<file path=ppt/slides/slide6.xml><?xml version="1.0" encoding="utf-8"?>
+<file path=ppt/slides/slide7.xml><?xml version="1.0" encoding="utf-8"?>
 <p:sld xmlns:a="http://schemas.openxmlformats.org/drawingml/2006/main" xmlns:r="http://schemas.openxmlformats.org/officeDocument/2006/relationships" xmlns:mc="http://schemas.openxmlformats.org/markup-compatibility/2006" xmlns:mv="urn:schemas-microsoft-com:mac:vml" xmlns:p="http://schemas.openxmlformats.org/presentationml/2006/main" xmlns:c="http://schemas.openxmlformats.org/drawingml/2006/chart" xmlns:dgm="http://schemas.openxmlformats.org/drawingml/2006/diagram" xmlns:o="urn:schemas-microsoft-com:office:office" xmlns:v="urn:schemas-microsoft-com:vml" xmlns:pvml="urn:schemas-microsoft-com:office:powerpoint" xmlns:com="http://schemas.openxmlformats.org/drawingml/2006/compatibility" xmlns:p14="http://schemas.microsoft.com/office/powerpoint/2010/main" xmlns:p15="http://schemas.microsoft.com/office/powerpoint/2012/main" xmlns:ahyp="http://schemas.microsoft.com/office/drawing/2018/hyperlinkcolor">
   <p:cSld>
     <p:bg>
@@ -7402,7 +7763,7 @@
     </p:bg>
     <p:spTree>
       <p:nvGrpSpPr>
-        <p:cNvPr id="87" name="Shape 87"/>
+        <p:cNvPr id="94" name="Shape 94"/>
         <p:cNvGrpSpPr/>
         <p:nvPr/>
       </p:nvGrpSpPr>
@@ -7416,7 +7777,7 @@
       </p:grpSpPr>
       <p:sp>
         <p:nvSpPr>
-          <p:cNvPr id="88" name="Google Shape;88;p18"/>
+          <p:cNvPr id="95" name="Google Shape;95;p19"/>
           <p:cNvSpPr txBox="1"/>
           <p:nvPr>
             <p:ph type="title"/>
@@ -7456,7 +7817,7 @@
       </p:sp>
       <p:pic>
         <p:nvPicPr>
-          <p:cNvPr id="89" name="Google Shape;89;p18"/>
+          <p:cNvPr id="96" name="Google Shape;96;p19"/>
           <p:cNvPicPr preferRelativeResize="0"/>
           <p:nvPr/>
         </p:nvPicPr>
@@ -7484,7 +7845,7 @@
       </p:pic>
       <p:pic>
         <p:nvPicPr>
-          <p:cNvPr id="90" name="Google Shape;90;p18"/>
+          <p:cNvPr id="97" name="Google Shape;97;p19"/>
           <p:cNvPicPr preferRelativeResize="0"/>
           <p:nvPr/>
         </p:nvPicPr>
@@ -7519,6 +7880,285 @@
 </file>
 
 <file path=ppt/theme/theme1.xml><?xml version="1.0" encoding="utf-8"?>
+<a:theme xmlns:a="http://schemas.openxmlformats.org/drawingml/2006/main" xmlns:r="http://schemas.openxmlformats.org/officeDocument/2006/relationships">
+  <a:themeElements>
+    <a:clrScheme name="Default">
+      <a:dk1>
+        <a:srgbClr val="000000"/>
+      </a:dk1>
+      <a:lt1>
+        <a:srgbClr val="FFFFFF"/>
+      </a:lt1>
+      <a:dk2>
+        <a:srgbClr val="158158"/>
+      </a:dk2>
+      <a:lt2>
+        <a:srgbClr val="F3F3F3"/>
+      </a:lt2>
+      <a:accent1>
+        <a:srgbClr val="058DC7"/>
+      </a:accent1>
+      <a:accent2>
+        <a:srgbClr val="50B432"/>
+      </a:accent2>
+      <a:accent3>
+        <a:srgbClr val="ED561B"/>
+      </a:accent3>
+      <a:accent4>
+        <a:srgbClr val="EDEF00"/>
+      </a:accent4>
+      <a:accent5>
+        <a:srgbClr val="24CBE5"/>
+      </a:accent5>
+      <a:accent6>
+        <a:srgbClr val="64E572"/>
+      </a:accent6>
+      <a:hlink>
+        <a:srgbClr val="2200CC"/>
+      </a:hlink>
+      <a:folHlink>
+        <a:srgbClr val="551A8B"/>
+      </a:folHlink>
+    </a:clrScheme>
+    <a:fontScheme name="Office">
+      <a:majorFont>
+        <a:latin typeface="Arial"/>
+        <a:ea typeface=""/>
+        <a:cs typeface=""/>
+        <a:font script="Jpan" typeface="ＭＳ Ｐゴシック"/>
+        <a:font script="Hang" typeface="맑은 고딕"/>
+        <a:font script="Hans" typeface="宋体"/>
+        <a:font script="Hant" typeface="新細明體"/>
+        <a:font script="Arab" typeface="Times New Roman"/>
+        <a:font script="Hebr" typeface="Times New Roman"/>
+        <a:font script="Thai" typeface="Angsana New"/>
+        <a:font script="Ethi" typeface="Nyala"/>
+        <a:font script="Beng" typeface="Vrinda"/>
+        <a:font script="Gujr" typeface="Shruti"/>
+        <a:font script="Khmr" typeface="MoolBoran"/>
+        <a:font script="Knda" typeface="Tunga"/>
+        <a:font script="Guru" typeface="Raavi"/>
+        <a:font script="Cans" typeface="Euphemia"/>
+        <a:font script="Cher" typeface="Plantagenet Cherokee"/>
+        <a:font script="Yiii" typeface="Microsoft Yi Baiti"/>
+        <a:font script="Tibt" typeface="Microsoft Himalaya"/>
+        <a:font script="Thaa" typeface="MV Boli"/>
+        <a:font script="Deva" typeface="Mangal"/>
+        <a:font script="Telu" typeface="Gautami"/>
+        <a:font script="Taml" typeface="Latha"/>
+        <a:font script="Syrc" typeface="Estrangelo Edessa"/>
+        <a:font script="Orya" typeface="Kalinga"/>
+        <a:font script="Mlym" typeface="Kartika"/>
+        <a:font script="Laoo" typeface="DokChampa"/>
+        <a:font script="Sinh" typeface="Iskoola Pota"/>
+        <a:font script="Mong" typeface="Mongolian Baiti"/>
+        <a:font script="Viet" typeface="Times New Roman"/>
+        <a:font script="Uigh" typeface="Microsoft Uighur"/>
+        <a:font script="Geor" typeface="Sylfaen"/>
+      </a:majorFont>
+      <a:minorFont>
+        <a:latin typeface="Arial"/>
+        <a:ea typeface=""/>
+        <a:cs typeface=""/>
+        <a:font script="Jpan" typeface="ＭＳ Ｐゴシック"/>
+        <a:font script="Hang" typeface="맑은 고딕"/>
+        <a:font script="Hans" typeface="宋体"/>
+        <a:font script="Hant" typeface="新細明體"/>
+        <a:font script="Arab" typeface="Arial"/>
+        <a:font script="Hebr" typeface="Arial"/>
+        <a:font script="Thai" typeface="Cordia New"/>
+        <a:font script="Ethi" typeface="Nyala"/>
+        <a:font script="Beng" typeface="Vrinda"/>
+        <a:font script="Gujr" typeface="Shruti"/>
+        <a:font script="Khmr" typeface="DaunPenh"/>
+        <a:font script="Knda" typeface="Tunga"/>
+        <a:font script="Guru" typeface="Raavi"/>
+        <a:font script="Cans" typeface="Euphemia"/>
+        <a:font script="Cher" typeface="Plantagenet Cherokee"/>
+        <a:font script="Yiii" typeface="Microsoft Yi Baiti"/>
+        <a:font script="Tibt" typeface="Microsoft Himalaya"/>
+        <a:font script="Thaa" typeface="MV Boli"/>
+        <a:font script="Deva" typeface="Mangal"/>
+        <a:font script="Telu" typeface="Gautami"/>
+        <a:font script="Taml" typeface="Latha"/>
+        <a:font script="Syrc" typeface="Estrangelo Edessa"/>
+        <a:font script="Orya" typeface="Kalinga"/>
+        <a:font script="Mlym" typeface="Kartika"/>
+        <a:font script="Laoo" typeface="DokChampa"/>
+        <a:font script="Sinh" typeface="Iskoola Pota"/>
+        <a:font script="Mong" typeface="Mongolian Baiti"/>
+        <a:font script="Viet" typeface="Arial"/>
+        <a:font script="Uigh" typeface="Microsoft Uighur"/>
+        <a:font script="Geor" typeface="Sylfaen"/>
+      </a:minorFont>
+    </a:fontScheme>
+    <a:fmtScheme name="Office">
+      <a:fillStyleLst>
+        <a:solidFill>
+          <a:schemeClr val="phClr"/>
+        </a:solidFill>
+        <a:gradFill rotWithShape="1">
+          <a:gsLst>
+            <a:gs pos="0">
+              <a:schemeClr val="phClr">
+                <a:tint val="50000"/>
+                <a:satMod val="300000"/>
+              </a:schemeClr>
+            </a:gs>
+            <a:gs pos="35000">
+              <a:schemeClr val="phClr">
+                <a:tint val="37000"/>
+                <a:satMod val="300000"/>
+              </a:schemeClr>
+            </a:gs>
+            <a:gs pos="100000">
+              <a:schemeClr val="phClr">
+                <a:tint val="15000"/>
+                <a:satMod val="350000"/>
+              </a:schemeClr>
+            </a:gs>
+          </a:gsLst>
+          <a:lin ang="16200000" scaled="1"/>
+        </a:gradFill>
+        <a:gradFill rotWithShape="1">
+          <a:gsLst>
+            <a:gs pos="0">
+              <a:schemeClr val="phClr">
+                <a:tint val="100000"/>
+                <a:shade val="100000"/>
+                <a:satMod val="130000"/>
+              </a:schemeClr>
+            </a:gs>
+            <a:gs pos="100000">
+              <a:schemeClr val="phClr">
+                <a:tint val="50000"/>
+                <a:shade val="100000"/>
+                <a:satMod val="350000"/>
+              </a:schemeClr>
+            </a:gs>
+          </a:gsLst>
+          <a:lin ang="16200000" scaled="0"/>
+        </a:gradFill>
+      </a:fillStyleLst>
+      <a:lnStyleLst>
+        <a:ln w="9525" cap="flat" cmpd="sng" algn="ctr">
+          <a:solidFill>
+            <a:schemeClr val="phClr">
+              <a:shade val="95000"/>
+              <a:satMod val="105000"/>
+            </a:schemeClr>
+          </a:solidFill>
+          <a:prstDash val="solid"/>
+        </a:ln>
+        <a:ln w="25400" cap="flat" cmpd="sng" algn="ctr">
+          <a:solidFill>
+            <a:schemeClr val="phClr"/>
+          </a:solidFill>
+          <a:prstDash val="solid"/>
+        </a:ln>
+        <a:ln w="38100" cap="flat" cmpd="sng" algn="ctr">
+          <a:solidFill>
+            <a:schemeClr val="phClr"/>
+          </a:solidFill>
+          <a:prstDash val="solid"/>
+        </a:ln>
+      </a:lnStyleLst>
+      <a:effectStyleLst>
+        <a:effectStyle>
+          <a:effectLst>
+            <a:outerShdw blurRad="40000" dist="20000" dir="5400000" rotWithShape="0">
+              <a:srgbClr val="000000">
+                <a:alpha val="38000"/>
+              </a:srgbClr>
+            </a:outerShdw>
+          </a:effectLst>
+        </a:effectStyle>
+        <a:effectStyle>
+          <a:effectLst>
+            <a:outerShdw blurRad="40000" dist="23000" dir="5400000" rotWithShape="0">
+              <a:srgbClr val="000000">
+                <a:alpha val="35000"/>
+              </a:srgbClr>
+            </a:outerShdw>
+          </a:effectLst>
+        </a:effectStyle>
+        <a:effectStyle>
+          <a:effectLst>
+            <a:outerShdw blurRad="40000" dist="23000" dir="5400000" rotWithShape="0">
+              <a:srgbClr val="000000">
+                <a:alpha val="35000"/>
+              </a:srgbClr>
+            </a:outerShdw>
+          </a:effectLst>
+          <a:scene3d>
+            <a:camera prst="orthographicFront">
+              <a:rot lat="0" lon="0" rev="0"/>
+            </a:camera>
+            <a:lightRig rig="threePt" dir="t">
+              <a:rot lat="0" lon="0" rev="1200000"/>
+            </a:lightRig>
+          </a:scene3d>
+          <a:sp3d>
+            <a:bevelT w="63500" h="25400"/>
+          </a:sp3d>
+        </a:effectStyle>
+      </a:effectStyleLst>
+      <a:bgFillStyleLst>
+        <a:solidFill>
+          <a:schemeClr val="phClr"/>
+        </a:solidFill>
+        <a:gradFill rotWithShape="1">
+          <a:gsLst>
+            <a:gs pos="0">
+              <a:schemeClr val="phClr">
+                <a:tint val="40000"/>
+                <a:satMod val="350000"/>
+              </a:schemeClr>
+            </a:gs>
+            <a:gs pos="40000">
+              <a:schemeClr val="phClr">
+                <a:tint val="45000"/>
+                <a:shade val="99000"/>
+                <a:satMod val="350000"/>
+              </a:schemeClr>
+            </a:gs>
+            <a:gs pos="100000">
+              <a:schemeClr val="phClr">
+                <a:shade val="20000"/>
+                <a:satMod val="255000"/>
+              </a:schemeClr>
+            </a:gs>
+          </a:gsLst>
+          <a:path path="circle">
+            <a:fillToRect l="50000" t="-80000" r="50000" b="180000"/>
+          </a:path>
+        </a:gradFill>
+        <a:gradFill rotWithShape="1">
+          <a:gsLst>
+            <a:gs pos="0">
+              <a:schemeClr val="phClr">
+                <a:tint val="80000"/>
+                <a:satMod val="300000"/>
+              </a:schemeClr>
+            </a:gs>
+            <a:gs pos="100000">
+              <a:schemeClr val="phClr">
+                <a:shade val="30000"/>
+                <a:satMod val="200000"/>
+              </a:schemeClr>
+            </a:gs>
+          </a:gsLst>
+          <a:path path="circle">
+            <a:fillToRect l="50000" t="50000" r="50000" b="50000"/>
+          </a:path>
+        </a:gradFill>
+      </a:bgFillStyleLst>
+    </a:fmtScheme>
+  </a:themeElements>
+</a:theme>
+</file>
+
+<file path=ppt/theme/theme2.xml><?xml version="1.0" encoding="utf-8"?>
 <a:theme xmlns:a="http://schemas.openxmlformats.org/drawingml/2006/main" xmlns:r="http://schemas.openxmlformats.org/officeDocument/2006/relationships" name="Pop">
   <a:themeElements>
     <a:clrScheme name="Pop">
@@ -7795,283 +8435,4 @@
     </a:fmtScheme>
   </a:themeElements>
 </a:theme>
-</file>
-
-<file path=ppt/theme/theme2.xml><?xml version="1.0" encoding="utf-8"?>
-<a:theme xmlns:a="http://schemas.openxmlformats.org/drawingml/2006/main" xmlns:r="http://schemas.openxmlformats.org/officeDocument/2006/relationships">
-  <a:themeElements>
-    <a:clrScheme name="Default">
-      <a:dk1>
-        <a:srgbClr val="000000"/>
-      </a:dk1>
-      <a:lt1>
-        <a:srgbClr val="FFFFFF"/>
-      </a:lt1>
-      <a:dk2>
-        <a:srgbClr val="158158"/>
-      </a:dk2>
-      <a:lt2>
-        <a:srgbClr val="F3F3F3"/>
-      </a:lt2>
-      <a:accent1>
-        <a:srgbClr val="058DC7"/>
-      </a:accent1>
-      <a:accent2>
-        <a:srgbClr val="50B432"/>
-      </a:accent2>
-      <a:accent3>
-        <a:srgbClr val="ED561B"/>
-      </a:accent3>
-      <a:accent4>
-        <a:srgbClr val="EDEF00"/>
-      </a:accent4>
-      <a:accent5>
-        <a:srgbClr val="24CBE5"/>
-      </a:accent5>
-      <a:accent6>
-        <a:srgbClr val="64E572"/>
-      </a:accent6>
-      <a:hlink>
-        <a:srgbClr val="2200CC"/>
-      </a:hlink>
-      <a:folHlink>
-        <a:srgbClr val="551A8B"/>
-      </a:folHlink>
-    </a:clrScheme>
-    <a:fontScheme name="Office">
-      <a:majorFont>
-        <a:latin typeface="Arial"/>
-        <a:ea typeface=""/>
-        <a:cs typeface=""/>
-        <a:font script="Jpan" typeface="ＭＳ Ｐゴシック"/>
-        <a:font script="Hang" typeface="맑은 고딕"/>
-        <a:font script="Hans" typeface="宋体"/>
-        <a:font script="Hant" typeface="新細明體"/>
-        <a:font script="Arab" typeface="Times New Roman"/>
-        <a:font script="Hebr" typeface="Times New Roman"/>
-        <a:font script="Thai" typeface="Angsana New"/>
-        <a:font script="Ethi" typeface="Nyala"/>
-        <a:font script="Beng" typeface="Vrinda"/>
-        <a:font script="Gujr" typeface="Shruti"/>
-        <a:font script="Khmr" typeface="MoolBoran"/>
-        <a:font script="Knda" typeface="Tunga"/>
-        <a:font script="Guru" typeface="Raavi"/>
-        <a:font script="Cans" typeface="Euphemia"/>
-        <a:font script="Cher" typeface="Plantagenet Cherokee"/>
-        <a:font script="Yiii" typeface="Microsoft Yi Baiti"/>
-        <a:font script="Tibt" typeface="Microsoft Himalaya"/>
-        <a:font script="Thaa" typeface="MV Boli"/>
-        <a:font script="Deva" typeface="Mangal"/>
-        <a:font script="Telu" typeface="Gautami"/>
-        <a:font script="Taml" typeface="Latha"/>
-        <a:font script="Syrc" typeface="Estrangelo Edessa"/>
-        <a:font script="Orya" typeface="Kalinga"/>
-        <a:font script="Mlym" typeface="Kartika"/>
-        <a:font script="Laoo" typeface="DokChampa"/>
-        <a:font script="Sinh" typeface="Iskoola Pota"/>
-        <a:font script="Mong" typeface="Mongolian Baiti"/>
-        <a:font script="Viet" typeface="Times New Roman"/>
-        <a:font script="Uigh" typeface="Microsoft Uighur"/>
-        <a:font script="Geor" typeface="Sylfaen"/>
-      </a:majorFont>
-      <a:minorFont>
-        <a:latin typeface="Arial"/>
-        <a:ea typeface=""/>
-        <a:cs typeface=""/>
-        <a:font script="Jpan" typeface="ＭＳ Ｐゴシック"/>
-        <a:font script="Hang" typeface="맑은 고딕"/>
-        <a:font script="Hans" typeface="宋体"/>
-        <a:font script="Hant" typeface="新細明體"/>
-        <a:font script="Arab" typeface="Arial"/>
-        <a:font script="Hebr" typeface="Arial"/>
-        <a:font script="Thai" typeface="Cordia New"/>
-        <a:font script="Ethi" typeface="Nyala"/>
-        <a:font script="Beng" typeface="Vrinda"/>
-        <a:font script="Gujr" typeface="Shruti"/>
-        <a:font script="Khmr" typeface="DaunPenh"/>
-        <a:font script="Knda" typeface="Tunga"/>
-        <a:font script="Guru" typeface="Raavi"/>
-        <a:font script="Cans" typeface="Euphemia"/>
-        <a:font script="Cher" typeface="Plantagenet Cherokee"/>
-        <a:font script="Yiii" typeface="Microsoft Yi Baiti"/>
-        <a:font script="Tibt" typeface="Microsoft Himalaya"/>
-        <a:font script="Thaa" typeface="MV Boli"/>
-        <a:font script="Deva" typeface="Mangal"/>
-        <a:font script="Telu" typeface="Gautami"/>
-        <a:font script="Taml" typeface="Latha"/>
-        <a:font script="Syrc" typeface="Estrangelo Edessa"/>
-        <a:font script="Orya" typeface="Kalinga"/>
-        <a:font script="Mlym" typeface="Kartika"/>
-        <a:font script="Laoo" typeface="DokChampa"/>
-        <a:font script="Sinh" typeface="Iskoola Pota"/>
-        <a:font script="Mong" typeface="Mongolian Baiti"/>
-        <a:font script="Viet" typeface="Arial"/>
-        <a:font script="Uigh" typeface="Microsoft Uighur"/>
-        <a:font script="Geor" typeface="Sylfaen"/>
-      </a:minorFont>
-    </a:fontScheme>
-    <a:fmtScheme name="Office">
-      <a:fillStyleLst>
-        <a:solidFill>
-          <a:schemeClr val="phClr"/>
-        </a:solidFill>
-        <a:gradFill rotWithShape="1">
-          <a:gsLst>
-            <a:gs pos="0">
-              <a:schemeClr val="phClr">
-                <a:tint val="50000"/>
-                <a:satMod val="300000"/>
-              </a:schemeClr>
-            </a:gs>
-            <a:gs pos="35000">
-              <a:schemeClr val="phClr">
-                <a:tint val="37000"/>
-                <a:satMod val="300000"/>
-              </a:schemeClr>
-            </a:gs>
-            <a:gs pos="100000">
-              <a:schemeClr val="phClr">
-                <a:tint val="15000"/>
-                <a:satMod val="350000"/>
-              </a:schemeClr>
-            </a:gs>
-          </a:gsLst>
-          <a:lin ang="16200000" scaled="1"/>
-        </a:gradFill>
-        <a:gradFill rotWithShape="1">
-          <a:gsLst>
-            <a:gs pos="0">
-              <a:schemeClr val="phClr">
-                <a:tint val="100000"/>
-                <a:shade val="100000"/>
-                <a:satMod val="130000"/>
-              </a:schemeClr>
-            </a:gs>
-            <a:gs pos="100000">
-              <a:schemeClr val="phClr">
-                <a:tint val="50000"/>
-                <a:shade val="100000"/>
-                <a:satMod val="350000"/>
-              </a:schemeClr>
-            </a:gs>
-          </a:gsLst>
-          <a:lin ang="16200000" scaled="0"/>
-        </a:gradFill>
-      </a:fillStyleLst>
-      <a:lnStyleLst>
-        <a:ln w="9525" cap="flat" cmpd="sng" algn="ctr">
-          <a:solidFill>
-            <a:schemeClr val="phClr">
-              <a:shade val="95000"/>
-              <a:satMod val="105000"/>
-            </a:schemeClr>
-          </a:solidFill>
-          <a:prstDash val="solid"/>
-        </a:ln>
-        <a:ln w="25400" cap="flat" cmpd="sng" algn="ctr">
-          <a:solidFill>
-            <a:schemeClr val="phClr"/>
-          </a:solidFill>
-          <a:prstDash val="solid"/>
-        </a:ln>
-        <a:ln w="38100" cap="flat" cmpd="sng" algn="ctr">
-          <a:solidFill>
-            <a:schemeClr val="phClr"/>
-          </a:solidFill>
-          <a:prstDash val="solid"/>
-        </a:ln>
-      </a:lnStyleLst>
-      <a:effectStyleLst>
-        <a:effectStyle>
-          <a:effectLst>
-            <a:outerShdw blurRad="40000" dist="20000" dir="5400000" rotWithShape="0">
-              <a:srgbClr val="000000">
-                <a:alpha val="38000"/>
-              </a:srgbClr>
-            </a:outerShdw>
-          </a:effectLst>
-        </a:effectStyle>
-        <a:effectStyle>
-          <a:effectLst>
-            <a:outerShdw blurRad="40000" dist="23000" dir="5400000" rotWithShape="0">
-              <a:srgbClr val="000000">
-                <a:alpha val="35000"/>
-              </a:srgbClr>
-            </a:outerShdw>
-          </a:effectLst>
-        </a:effectStyle>
-        <a:effectStyle>
-          <a:effectLst>
-            <a:outerShdw blurRad="40000" dist="23000" dir="5400000" rotWithShape="0">
-              <a:srgbClr val="000000">
-                <a:alpha val="35000"/>
-              </a:srgbClr>
-            </a:outerShdw>
-          </a:effectLst>
-          <a:scene3d>
-            <a:camera prst="orthographicFront">
-              <a:rot lat="0" lon="0" rev="0"/>
-            </a:camera>
-            <a:lightRig rig="threePt" dir="t">
-              <a:rot lat="0" lon="0" rev="1200000"/>
-            </a:lightRig>
-          </a:scene3d>
-          <a:sp3d>
-            <a:bevelT w="63500" h="25400"/>
-          </a:sp3d>
-        </a:effectStyle>
-      </a:effectStyleLst>
-      <a:bgFillStyleLst>
-        <a:solidFill>
-          <a:schemeClr val="phClr"/>
-        </a:solidFill>
-        <a:gradFill rotWithShape="1">
-          <a:gsLst>
-            <a:gs pos="0">
-              <a:schemeClr val="phClr">
-                <a:tint val="40000"/>
-                <a:satMod val="350000"/>
-              </a:schemeClr>
-            </a:gs>
-            <a:gs pos="40000">
-              <a:schemeClr val="phClr">
-                <a:tint val="45000"/>
-                <a:shade val="99000"/>
-                <a:satMod val="350000"/>
-              </a:schemeClr>
-            </a:gs>
-            <a:gs pos="100000">
-              <a:schemeClr val="phClr">
-                <a:shade val="20000"/>
-                <a:satMod val="255000"/>
-              </a:schemeClr>
-            </a:gs>
-          </a:gsLst>
-          <a:path path="circle">
-            <a:fillToRect l="50000" t="-80000" r="50000" b="180000"/>
-          </a:path>
-        </a:gradFill>
-        <a:gradFill rotWithShape="1">
-          <a:gsLst>
-            <a:gs pos="0">
-              <a:schemeClr val="phClr">
-                <a:tint val="80000"/>
-                <a:satMod val="300000"/>
-              </a:schemeClr>
-            </a:gs>
-            <a:gs pos="100000">
-              <a:schemeClr val="phClr">
-                <a:shade val="30000"/>
-                <a:satMod val="200000"/>
-              </a:schemeClr>
-            </a:gs>
-          </a:gsLst>
-          <a:path path="circle">
-            <a:fillToRect l="50000" t="50000" r="50000" b="50000"/>
-          </a:path>
-        </a:gradFill>
-      </a:bgFillStyleLst>
-    </a:fmtScheme>
-  </a:themeElements>
-</a:theme>
 </file>